--- a/MyPersonalRecords.pptx
+++ b/MyPersonalRecords.pptx
@@ -11,7 +11,7 @@
     <p:sldId id="257" r:id="rId2"/>
   </p:sldIdLst>
   <p:sldSz cx="9144000" cy="6858000" type="screen4x3"/>
-  <p:notesSz cx="7077075" cy="8955088"/>
+  <p:notesSz cx="7102475" cy="9388475"/>
   <p:defaultTextStyle>
     <a:defPPr>
       <a:defRPr lang="en-US"/>
@@ -161,14 +161,14 @@
         <p:spPr>
           <a:xfrm>
             <a:off x="0" y="0"/>
-            <a:ext cx="3066733" cy="447754"/>
+            <a:ext cx="3077740" cy="469423"/>
           </a:xfrm>
           <a:prstGeom prst="rect">
             <a:avLst/>
           </a:prstGeom>
         </p:spPr>
         <p:txBody>
-          <a:bodyPr vert="horz" lIns="91440" tIns="45720" rIns="91440" bIns="45720" rtlCol="0"/>
+          <a:bodyPr vert="horz" lIns="94055" tIns="47028" rIns="94055" bIns="47028" rtlCol="0"/>
           <a:lstStyle>
             <a:lvl1pPr algn="l">
               <a:defRPr sz="1200"/>
@@ -191,15 +191,15 @@
         </p:nvSpPr>
         <p:spPr>
           <a:xfrm>
-            <a:off x="4008705" y="0"/>
-            <a:ext cx="3066733" cy="447754"/>
+            <a:off x="4023093" y="0"/>
+            <a:ext cx="3077740" cy="469423"/>
           </a:xfrm>
           <a:prstGeom prst="rect">
             <a:avLst/>
           </a:prstGeom>
         </p:spPr>
         <p:txBody>
-          <a:bodyPr vert="horz" lIns="91440" tIns="45720" rIns="91440" bIns="45720" rtlCol="0"/>
+          <a:bodyPr vert="horz" lIns="94055" tIns="47028" rIns="94055" bIns="47028" rtlCol="0"/>
           <a:lstStyle>
             <a:lvl1pPr algn="r">
               <a:defRPr sz="1200"/>
@@ -209,7 +209,7 @@
             <a:fld id="{6CC6328C-19E3-42CA-9D07-C71BB9FEFDFB}" type="datetimeFigureOut">
               <a:rPr lang="en-US" smtClean="0"/>
               <a:pPr/>
-              <a:t>9/17/2019</a:t>
+              <a:t>2/28/2024</a:t>
             </a:fld>
             <a:endParaRPr lang="en-US"/>
           </a:p>
@@ -227,8 +227,8 @@
         </p:nvSpPr>
         <p:spPr>
           <a:xfrm>
-            <a:off x="1300163" y="671513"/>
-            <a:ext cx="4476750" cy="3357562"/>
+            <a:off x="1204913" y="703263"/>
+            <a:ext cx="4692650" cy="3521075"/>
           </a:xfrm>
           <a:prstGeom prst="rect">
             <a:avLst/>
@@ -241,7 +241,7 @@
           </a:ln>
         </p:spPr>
         <p:txBody>
-          <a:bodyPr vert="horz" lIns="91440" tIns="45720" rIns="91440" bIns="45720" rtlCol="0" anchor="ctr"/>
+          <a:bodyPr vert="horz" lIns="94055" tIns="47028" rIns="94055" bIns="47028" rtlCol="0" anchor="ctr"/>
           <a:lstStyle/>
           <a:p>
             <a:endParaRPr lang="en-US"/>
@@ -260,53 +260,52 @@
         </p:nvSpPr>
         <p:spPr>
           <a:xfrm>
-            <a:off x="707708" y="4253667"/>
-            <a:ext cx="5661660" cy="4029790"/>
+            <a:off x="710248" y="4459526"/>
+            <a:ext cx="5681980" cy="4224814"/>
           </a:xfrm>
           <a:prstGeom prst="rect">
             <a:avLst/>
           </a:prstGeom>
         </p:spPr>
         <p:txBody>
-          <a:bodyPr vert="horz" lIns="91440" tIns="45720" rIns="91440" bIns="45720" rtlCol="0">
+          <a:bodyPr vert="horz" lIns="94055" tIns="47028" rIns="94055" bIns="47028" rtlCol="0">
             <a:normAutofit/>
           </a:bodyPr>
           <a:lstStyle/>
           <a:p>
             <a:pPr lvl="0"/>
             <a:r>
-              <a:rPr lang="en-US" smtClean="0"/>
+              <a:rPr lang="en-US"/>
               <a:t>Click to edit Master text styles</a:t>
             </a:r>
           </a:p>
           <a:p>
             <a:pPr lvl="1"/>
             <a:r>
-              <a:rPr lang="en-US" smtClean="0"/>
+              <a:rPr lang="en-US"/>
               <a:t>Second level</a:t>
             </a:r>
           </a:p>
           <a:p>
             <a:pPr lvl="2"/>
             <a:r>
-              <a:rPr lang="en-US" smtClean="0"/>
+              <a:rPr lang="en-US"/>
               <a:t>Third level</a:t>
             </a:r>
           </a:p>
           <a:p>
             <a:pPr lvl="3"/>
             <a:r>
-              <a:rPr lang="en-US" smtClean="0"/>
+              <a:rPr lang="en-US"/>
               <a:t>Fourth level</a:t>
             </a:r>
           </a:p>
           <a:p>
             <a:pPr lvl="4"/>
             <a:r>
-              <a:rPr lang="en-US" smtClean="0"/>
+              <a:rPr lang="en-US"/>
               <a:t>Fifth level</a:t>
             </a:r>
-            <a:endParaRPr lang="en-US"/>
           </a:p>
         </p:txBody>
       </p:sp>
@@ -322,15 +321,15 @@
         </p:nvSpPr>
         <p:spPr>
           <a:xfrm>
-            <a:off x="0" y="8505780"/>
-            <a:ext cx="3066733" cy="447754"/>
+            <a:off x="0" y="8917423"/>
+            <a:ext cx="3077740" cy="469423"/>
           </a:xfrm>
           <a:prstGeom prst="rect">
             <a:avLst/>
           </a:prstGeom>
         </p:spPr>
         <p:txBody>
-          <a:bodyPr vert="horz" lIns="91440" tIns="45720" rIns="91440" bIns="45720" rtlCol="0" anchor="b"/>
+          <a:bodyPr vert="horz" lIns="94055" tIns="47028" rIns="94055" bIns="47028" rtlCol="0" anchor="b"/>
           <a:lstStyle>
             <a:lvl1pPr algn="l">
               <a:defRPr sz="1200"/>
@@ -353,15 +352,15 @@
         </p:nvSpPr>
         <p:spPr>
           <a:xfrm>
-            <a:off x="4008705" y="8505780"/>
-            <a:ext cx="3066733" cy="447754"/>
+            <a:off x="4023093" y="8917423"/>
+            <a:ext cx="3077740" cy="469423"/>
           </a:xfrm>
           <a:prstGeom prst="rect">
             <a:avLst/>
           </a:prstGeom>
         </p:spPr>
         <p:txBody>
-          <a:bodyPr vert="horz" lIns="91440" tIns="45720" rIns="91440" bIns="45720" rtlCol="0" anchor="b"/>
+          <a:bodyPr vert="horz" lIns="94055" tIns="47028" rIns="94055" bIns="47028" rtlCol="0" anchor="b"/>
           <a:lstStyle>
             <a:lvl1pPr algn="r">
               <a:defRPr sz="1200"/>
@@ -518,10 +517,9 @@
           <a:lstStyle/>
           <a:p>
             <a:r>
-              <a:rPr lang="en-US" smtClean="0"/>
+              <a:rPr lang="en-US"/>
               <a:t>Click to edit Master title style</a:t>
             </a:r>
-            <a:endParaRPr lang="en-US"/>
           </a:p>
         </p:txBody>
       </p:sp>
@@ -637,10 +635,9 @@
           </a:lstStyle>
           <a:p>
             <a:r>
-              <a:rPr lang="en-US" smtClean="0"/>
+              <a:rPr lang="en-US"/>
               <a:t>Click to edit Master subtitle style</a:t>
             </a:r>
-            <a:endParaRPr lang="en-US"/>
           </a:p>
         </p:txBody>
       </p:sp>
@@ -662,7 +659,7 @@
             <a:fld id="{092D9A1E-4C39-45B1-BBDA-3E3D8977C494}" type="datetimeFigureOut">
               <a:rPr lang="en-US" smtClean="0"/>
               <a:pPr/>
-              <a:t>9/17/2019</a:t>
+              <a:t>2/28/2024</a:t>
             </a:fld>
             <a:endParaRPr lang="en-US"/>
           </a:p>
@@ -752,10 +749,9 @@
           <a:lstStyle/>
           <a:p>
             <a:r>
-              <a:rPr lang="en-US" smtClean="0"/>
+              <a:rPr lang="en-US"/>
               <a:t>Click to edit Master title style</a:t>
             </a:r>
-            <a:endParaRPr lang="en-US"/>
           </a:p>
         </p:txBody>
       </p:sp>
@@ -776,38 +772,37 @@
           <a:p>
             <a:pPr lvl="0"/>
             <a:r>
-              <a:rPr lang="en-US" smtClean="0"/>
+              <a:rPr lang="en-US"/>
               <a:t>Click to edit Master text styles</a:t>
             </a:r>
           </a:p>
           <a:p>
             <a:pPr lvl="1"/>
             <a:r>
-              <a:rPr lang="en-US" smtClean="0"/>
+              <a:rPr lang="en-US"/>
               <a:t>Second level</a:t>
             </a:r>
           </a:p>
           <a:p>
             <a:pPr lvl="2"/>
             <a:r>
-              <a:rPr lang="en-US" smtClean="0"/>
+              <a:rPr lang="en-US"/>
               <a:t>Third level</a:t>
             </a:r>
           </a:p>
           <a:p>
             <a:pPr lvl="3"/>
             <a:r>
-              <a:rPr lang="en-US" smtClean="0"/>
+              <a:rPr lang="en-US"/>
               <a:t>Fourth level</a:t>
             </a:r>
           </a:p>
           <a:p>
             <a:pPr lvl="4"/>
             <a:r>
-              <a:rPr lang="en-US" smtClean="0"/>
+              <a:rPr lang="en-US"/>
               <a:t>Fifth level</a:t>
             </a:r>
-            <a:endParaRPr lang="en-US"/>
           </a:p>
         </p:txBody>
       </p:sp>
@@ -829,7 +824,7 @@
             <a:fld id="{092D9A1E-4C39-45B1-BBDA-3E3D8977C494}" type="datetimeFigureOut">
               <a:rPr lang="en-US" smtClean="0"/>
               <a:pPr/>
-              <a:t>9/17/2019</a:t>
+              <a:t>2/28/2024</a:t>
             </a:fld>
             <a:endParaRPr lang="en-US"/>
           </a:p>
@@ -924,10 +919,9 @@
           <a:lstStyle/>
           <a:p>
             <a:r>
-              <a:rPr lang="en-US" smtClean="0"/>
+              <a:rPr lang="en-US"/>
               <a:t>Click to edit Master title style</a:t>
             </a:r>
-            <a:endParaRPr lang="en-US"/>
           </a:p>
         </p:txBody>
       </p:sp>
@@ -953,38 +947,37 @@
           <a:p>
             <a:pPr lvl="0"/>
             <a:r>
-              <a:rPr lang="en-US" smtClean="0"/>
+              <a:rPr lang="en-US"/>
               <a:t>Click to edit Master text styles</a:t>
             </a:r>
           </a:p>
           <a:p>
             <a:pPr lvl="1"/>
             <a:r>
-              <a:rPr lang="en-US" smtClean="0"/>
+              <a:rPr lang="en-US"/>
               <a:t>Second level</a:t>
             </a:r>
           </a:p>
           <a:p>
             <a:pPr lvl="2"/>
             <a:r>
-              <a:rPr lang="en-US" smtClean="0"/>
+              <a:rPr lang="en-US"/>
               <a:t>Third level</a:t>
             </a:r>
           </a:p>
           <a:p>
             <a:pPr lvl="3"/>
             <a:r>
-              <a:rPr lang="en-US" smtClean="0"/>
+              <a:rPr lang="en-US"/>
               <a:t>Fourth level</a:t>
             </a:r>
           </a:p>
           <a:p>
             <a:pPr lvl="4"/>
             <a:r>
-              <a:rPr lang="en-US" smtClean="0"/>
+              <a:rPr lang="en-US"/>
               <a:t>Fifth level</a:t>
             </a:r>
-            <a:endParaRPr lang="en-US"/>
           </a:p>
         </p:txBody>
       </p:sp>
@@ -1006,7 +999,7 @@
             <a:fld id="{092D9A1E-4C39-45B1-BBDA-3E3D8977C494}" type="datetimeFigureOut">
               <a:rPr lang="en-US" smtClean="0"/>
               <a:pPr/>
-              <a:t>9/17/2019</a:t>
+              <a:t>2/28/2024</a:t>
             </a:fld>
             <a:endParaRPr lang="en-US"/>
           </a:p>
@@ -1096,10 +1089,9 @@
           <a:lstStyle/>
           <a:p>
             <a:r>
-              <a:rPr lang="en-US" smtClean="0"/>
+              <a:rPr lang="en-US"/>
               <a:t>Click to edit Master title style</a:t>
             </a:r>
-            <a:endParaRPr lang="en-US"/>
           </a:p>
         </p:txBody>
       </p:sp>
@@ -1120,38 +1112,37 @@
           <a:p>
             <a:pPr lvl="0"/>
             <a:r>
-              <a:rPr lang="en-US" smtClean="0"/>
+              <a:rPr lang="en-US"/>
               <a:t>Click to edit Master text styles</a:t>
             </a:r>
           </a:p>
           <a:p>
             <a:pPr lvl="1"/>
             <a:r>
-              <a:rPr lang="en-US" smtClean="0"/>
+              <a:rPr lang="en-US"/>
               <a:t>Second level</a:t>
             </a:r>
           </a:p>
           <a:p>
             <a:pPr lvl="2"/>
             <a:r>
-              <a:rPr lang="en-US" smtClean="0"/>
+              <a:rPr lang="en-US"/>
               <a:t>Third level</a:t>
             </a:r>
           </a:p>
           <a:p>
             <a:pPr lvl="3"/>
             <a:r>
-              <a:rPr lang="en-US" smtClean="0"/>
+              <a:rPr lang="en-US"/>
               <a:t>Fourth level</a:t>
             </a:r>
           </a:p>
           <a:p>
             <a:pPr lvl="4"/>
             <a:r>
-              <a:rPr lang="en-US" smtClean="0"/>
+              <a:rPr lang="en-US"/>
               <a:t>Fifth level</a:t>
             </a:r>
-            <a:endParaRPr lang="en-US"/>
           </a:p>
         </p:txBody>
       </p:sp>
@@ -1173,7 +1164,7 @@
             <a:fld id="{092D9A1E-4C39-45B1-BBDA-3E3D8977C494}" type="datetimeFigureOut">
               <a:rPr lang="en-US" smtClean="0"/>
               <a:pPr/>
-              <a:t>9/17/2019</a:t>
+              <a:t>2/28/2024</a:t>
             </a:fld>
             <a:endParaRPr lang="en-US"/>
           </a:p>
@@ -1272,10 +1263,9 @@
           </a:lstStyle>
           <a:p>
             <a:r>
-              <a:rPr lang="en-US" smtClean="0"/>
+              <a:rPr lang="en-US"/>
               <a:t>Click to edit Master title style</a:t>
             </a:r>
-            <a:endParaRPr lang="en-US"/>
           </a:p>
         </p:txBody>
       </p:sp>
@@ -1392,7 +1382,7 @@
           <a:p>
             <a:pPr lvl="0"/>
             <a:r>
-              <a:rPr lang="en-US" smtClean="0"/>
+              <a:rPr lang="en-US"/>
               <a:t>Click to edit Master text styles</a:t>
             </a:r>
           </a:p>
@@ -1416,7 +1406,7 @@
             <a:fld id="{092D9A1E-4C39-45B1-BBDA-3E3D8977C494}" type="datetimeFigureOut">
               <a:rPr lang="en-US" smtClean="0"/>
               <a:pPr/>
-              <a:t>9/17/2019</a:t>
+              <a:t>2/28/2024</a:t>
             </a:fld>
             <a:endParaRPr lang="en-US"/>
           </a:p>
@@ -1506,10 +1496,9 @@
           <a:lstStyle/>
           <a:p>
             <a:r>
-              <a:rPr lang="en-US" smtClean="0"/>
+              <a:rPr lang="en-US"/>
               <a:t>Click to edit Master title style</a:t>
             </a:r>
-            <a:endParaRPr lang="en-US"/>
           </a:p>
         </p:txBody>
       </p:sp>
@@ -1563,38 +1552,37 @@
           <a:p>
             <a:pPr lvl="0"/>
             <a:r>
-              <a:rPr lang="en-US" smtClean="0"/>
+              <a:rPr lang="en-US"/>
               <a:t>Click to edit Master text styles</a:t>
             </a:r>
           </a:p>
           <a:p>
             <a:pPr lvl="1"/>
             <a:r>
-              <a:rPr lang="en-US" smtClean="0"/>
+              <a:rPr lang="en-US"/>
               <a:t>Second level</a:t>
             </a:r>
           </a:p>
           <a:p>
             <a:pPr lvl="2"/>
             <a:r>
-              <a:rPr lang="en-US" smtClean="0"/>
+              <a:rPr lang="en-US"/>
               <a:t>Third level</a:t>
             </a:r>
           </a:p>
           <a:p>
             <a:pPr lvl="3"/>
             <a:r>
-              <a:rPr lang="en-US" smtClean="0"/>
+              <a:rPr lang="en-US"/>
               <a:t>Fourth level</a:t>
             </a:r>
           </a:p>
           <a:p>
             <a:pPr lvl="4"/>
             <a:r>
-              <a:rPr lang="en-US" smtClean="0"/>
+              <a:rPr lang="en-US"/>
               <a:t>Fifth level</a:t>
             </a:r>
-            <a:endParaRPr lang="en-US"/>
           </a:p>
         </p:txBody>
       </p:sp>
@@ -1648,38 +1636,37 @@
           <a:p>
             <a:pPr lvl="0"/>
             <a:r>
-              <a:rPr lang="en-US" smtClean="0"/>
+              <a:rPr lang="en-US"/>
               <a:t>Click to edit Master text styles</a:t>
             </a:r>
           </a:p>
           <a:p>
             <a:pPr lvl="1"/>
             <a:r>
-              <a:rPr lang="en-US" smtClean="0"/>
+              <a:rPr lang="en-US"/>
               <a:t>Second level</a:t>
             </a:r>
           </a:p>
           <a:p>
             <a:pPr lvl="2"/>
             <a:r>
-              <a:rPr lang="en-US" smtClean="0"/>
+              <a:rPr lang="en-US"/>
               <a:t>Third level</a:t>
             </a:r>
           </a:p>
           <a:p>
             <a:pPr lvl="3"/>
             <a:r>
-              <a:rPr lang="en-US" smtClean="0"/>
+              <a:rPr lang="en-US"/>
               <a:t>Fourth level</a:t>
             </a:r>
           </a:p>
           <a:p>
             <a:pPr lvl="4"/>
             <a:r>
-              <a:rPr lang="en-US" smtClean="0"/>
+              <a:rPr lang="en-US"/>
               <a:t>Fifth level</a:t>
             </a:r>
-            <a:endParaRPr lang="en-US"/>
           </a:p>
         </p:txBody>
       </p:sp>
@@ -1701,7 +1688,7 @@
             <a:fld id="{092D9A1E-4C39-45B1-BBDA-3E3D8977C494}" type="datetimeFigureOut">
               <a:rPr lang="en-US" smtClean="0"/>
               <a:pPr/>
-              <a:t>9/17/2019</a:t>
+              <a:t>2/28/2024</a:t>
             </a:fld>
             <a:endParaRPr lang="en-US"/>
           </a:p>
@@ -1795,10 +1782,9 @@
           </a:lstStyle>
           <a:p>
             <a:r>
-              <a:rPr lang="en-US" smtClean="0"/>
+              <a:rPr lang="en-US"/>
               <a:t>Click to edit Master title style</a:t>
             </a:r>
-            <a:endParaRPr lang="en-US"/>
           </a:p>
         </p:txBody>
       </p:sp>
@@ -1861,7 +1847,7 @@
           <a:p>
             <a:pPr lvl="0"/>
             <a:r>
-              <a:rPr lang="en-US" smtClean="0"/>
+              <a:rPr lang="en-US"/>
               <a:t>Click to edit Master text styles</a:t>
             </a:r>
           </a:p>
@@ -1917,38 +1903,37 @@
           <a:p>
             <a:pPr lvl="0"/>
             <a:r>
-              <a:rPr lang="en-US" smtClean="0"/>
+              <a:rPr lang="en-US"/>
               <a:t>Click to edit Master text styles</a:t>
             </a:r>
           </a:p>
           <a:p>
             <a:pPr lvl="1"/>
             <a:r>
-              <a:rPr lang="en-US" smtClean="0"/>
+              <a:rPr lang="en-US"/>
               <a:t>Second level</a:t>
             </a:r>
           </a:p>
           <a:p>
             <a:pPr lvl="2"/>
             <a:r>
-              <a:rPr lang="en-US" smtClean="0"/>
+              <a:rPr lang="en-US"/>
               <a:t>Third level</a:t>
             </a:r>
           </a:p>
           <a:p>
             <a:pPr lvl="3"/>
             <a:r>
-              <a:rPr lang="en-US" smtClean="0"/>
+              <a:rPr lang="en-US"/>
               <a:t>Fourth level</a:t>
             </a:r>
           </a:p>
           <a:p>
             <a:pPr lvl="4"/>
             <a:r>
-              <a:rPr lang="en-US" smtClean="0"/>
+              <a:rPr lang="en-US"/>
               <a:t>Fifth level</a:t>
             </a:r>
-            <a:endParaRPr lang="en-US"/>
           </a:p>
         </p:txBody>
       </p:sp>
@@ -2011,7 +1996,7 @@
           <a:p>
             <a:pPr lvl="0"/>
             <a:r>
-              <a:rPr lang="en-US" smtClean="0"/>
+              <a:rPr lang="en-US"/>
               <a:t>Click to edit Master text styles</a:t>
             </a:r>
           </a:p>
@@ -2067,38 +2052,37 @@
           <a:p>
             <a:pPr lvl="0"/>
             <a:r>
-              <a:rPr lang="en-US" smtClean="0"/>
+              <a:rPr lang="en-US"/>
               <a:t>Click to edit Master text styles</a:t>
             </a:r>
           </a:p>
           <a:p>
             <a:pPr lvl="1"/>
             <a:r>
-              <a:rPr lang="en-US" smtClean="0"/>
+              <a:rPr lang="en-US"/>
               <a:t>Second level</a:t>
             </a:r>
           </a:p>
           <a:p>
             <a:pPr lvl="2"/>
             <a:r>
-              <a:rPr lang="en-US" smtClean="0"/>
+              <a:rPr lang="en-US"/>
               <a:t>Third level</a:t>
             </a:r>
           </a:p>
           <a:p>
             <a:pPr lvl="3"/>
             <a:r>
-              <a:rPr lang="en-US" smtClean="0"/>
+              <a:rPr lang="en-US"/>
               <a:t>Fourth level</a:t>
             </a:r>
           </a:p>
           <a:p>
             <a:pPr lvl="4"/>
             <a:r>
-              <a:rPr lang="en-US" smtClean="0"/>
+              <a:rPr lang="en-US"/>
               <a:t>Fifth level</a:t>
             </a:r>
-            <a:endParaRPr lang="en-US"/>
           </a:p>
         </p:txBody>
       </p:sp>
@@ -2120,7 +2104,7 @@
             <a:fld id="{092D9A1E-4C39-45B1-BBDA-3E3D8977C494}" type="datetimeFigureOut">
               <a:rPr lang="en-US" smtClean="0"/>
               <a:pPr/>
-              <a:t>9/17/2019</a:t>
+              <a:t>2/28/2024</a:t>
             </a:fld>
             <a:endParaRPr lang="en-US"/>
           </a:p>
@@ -2210,10 +2194,9 @@
           <a:lstStyle/>
           <a:p>
             <a:r>
-              <a:rPr lang="en-US" smtClean="0"/>
+              <a:rPr lang="en-US"/>
               <a:t>Click to edit Master title style</a:t>
             </a:r>
-            <a:endParaRPr lang="en-US"/>
           </a:p>
         </p:txBody>
       </p:sp>
@@ -2235,7 +2218,7 @@
             <a:fld id="{092D9A1E-4C39-45B1-BBDA-3E3D8977C494}" type="datetimeFigureOut">
               <a:rPr lang="en-US" smtClean="0"/>
               <a:pPr/>
-              <a:t>9/17/2019</a:t>
+              <a:t>2/28/2024</a:t>
             </a:fld>
             <a:endParaRPr lang="en-US"/>
           </a:p>
@@ -2327,7 +2310,7 @@
             <a:fld id="{092D9A1E-4C39-45B1-BBDA-3E3D8977C494}" type="datetimeFigureOut">
               <a:rPr lang="en-US" smtClean="0"/>
               <a:pPr/>
-              <a:t>9/17/2019</a:t>
+              <a:t>2/28/2024</a:t>
             </a:fld>
             <a:endParaRPr lang="en-US"/>
           </a:p>
@@ -2426,10 +2409,9 @@
           </a:lstStyle>
           <a:p>
             <a:r>
-              <a:rPr lang="en-US" smtClean="0"/>
+              <a:rPr lang="en-US"/>
               <a:t>Click to edit Master title style</a:t>
             </a:r>
-            <a:endParaRPr lang="en-US"/>
           </a:p>
         </p:txBody>
       </p:sp>
@@ -2483,38 +2465,37 @@
           <a:p>
             <a:pPr lvl="0"/>
             <a:r>
-              <a:rPr lang="en-US" smtClean="0"/>
+              <a:rPr lang="en-US"/>
               <a:t>Click to edit Master text styles</a:t>
             </a:r>
           </a:p>
           <a:p>
             <a:pPr lvl="1"/>
             <a:r>
-              <a:rPr lang="en-US" smtClean="0"/>
+              <a:rPr lang="en-US"/>
               <a:t>Second level</a:t>
             </a:r>
           </a:p>
           <a:p>
             <a:pPr lvl="2"/>
             <a:r>
-              <a:rPr lang="en-US" smtClean="0"/>
+              <a:rPr lang="en-US"/>
               <a:t>Third level</a:t>
             </a:r>
           </a:p>
           <a:p>
             <a:pPr lvl="3"/>
             <a:r>
-              <a:rPr lang="en-US" smtClean="0"/>
+              <a:rPr lang="en-US"/>
               <a:t>Fourth level</a:t>
             </a:r>
           </a:p>
           <a:p>
             <a:pPr lvl="4"/>
             <a:r>
-              <a:rPr lang="en-US" smtClean="0"/>
+              <a:rPr lang="en-US"/>
               <a:t>Fifth level</a:t>
             </a:r>
-            <a:endParaRPr lang="en-US"/>
           </a:p>
         </p:txBody>
       </p:sp>
@@ -2577,7 +2558,7 @@
           <a:p>
             <a:pPr lvl="0"/>
             <a:r>
-              <a:rPr lang="en-US" smtClean="0"/>
+              <a:rPr lang="en-US"/>
               <a:t>Click to edit Master text styles</a:t>
             </a:r>
           </a:p>
@@ -2601,7 +2582,7 @@
             <a:fld id="{092D9A1E-4C39-45B1-BBDA-3E3D8977C494}" type="datetimeFigureOut">
               <a:rPr lang="en-US" smtClean="0"/>
               <a:pPr/>
-              <a:t>9/17/2019</a:t>
+              <a:t>2/28/2024</a:t>
             </a:fld>
             <a:endParaRPr lang="en-US"/>
           </a:p>
@@ -2700,10 +2681,9 @@
           </a:lstStyle>
           <a:p>
             <a:r>
-              <a:rPr lang="en-US" smtClean="0"/>
+              <a:rPr lang="en-US"/>
               <a:t>Click to edit Master title style</a:t>
             </a:r>
-            <a:endParaRPr lang="en-US"/>
           </a:p>
         </p:txBody>
       </p:sp>
@@ -2827,7 +2807,7 @@
           <a:p>
             <a:pPr lvl="0"/>
             <a:r>
-              <a:rPr lang="en-US" smtClean="0"/>
+              <a:rPr lang="en-US"/>
               <a:t>Click to edit Master text styles</a:t>
             </a:r>
           </a:p>
@@ -2851,7 +2831,7 @@
             <a:fld id="{092D9A1E-4C39-45B1-BBDA-3E3D8977C494}" type="datetimeFigureOut">
               <a:rPr lang="en-US" smtClean="0"/>
               <a:pPr/>
-              <a:t>9/17/2019</a:t>
+              <a:t>2/28/2024</a:t>
             </a:fld>
             <a:endParaRPr lang="en-US"/>
           </a:p>
@@ -2956,10 +2936,9 @@
           <a:lstStyle/>
           <a:p>
             <a:r>
-              <a:rPr lang="en-US" smtClean="0"/>
+              <a:rPr lang="en-US"/>
               <a:t>Click to edit Master title style</a:t>
             </a:r>
-            <a:endParaRPr lang="en-US"/>
           </a:p>
         </p:txBody>
       </p:sp>
@@ -2990,38 +2969,37 @@
           <a:p>
             <a:pPr lvl="0"/>
             <a:r>
-              <a:rPr lang="en-US" smtClean="0"/>
+              <a:rPr lang="en-US"/>
               <a:t>Click to edit Master text styles</a:t>
             </a:r>
           </a:p>
           <a:p>
             <a:pPr lvl="1"/>
             <a:r>
-              <a:rPr lang="en-US" smtClean="0"/>
+              <a:rPr lang="en-US"/>
               <a:t>Second level</a:t>
             </a:r>
           </a:p>
           <a:p>
             <a:pPr lvl="2"/>
             <a:r>
-              <a:rPr lang="en-US" smtClean="0"/>
+              <a:rPr lang="en-US"/>
               <a:t>Third level</a:t>
             </a:r>
           </a:p>
           <a:p>
             <a:pPr lvl="3"/>
             <a:r>
-              <a:rPr lang="en-US" smtClean="0"/>
+              <a:rPr lang="en-US"/>
               <a:t>Fourth level</a:t>
             </a:r>
           </a:p>
           <a:p>
             <a:pPr lvl="4"/>
             <a:r>
-              <a:rPr lang="en-US" smtClean="0"/>
+              <a:rPr lang="en-US"/>
               <a:t>Fifth level</a:t>
             </a:r>
-            <a:endParaRPr lang="en-US"/>
           </a:p>
         </p:txBody>
       </p:sp>
@@ -3061,7 +3039,7 @@
             <a:fld id="{092D9A1E-4C39-45B1-BBDA-3E3D8977C494}" type="datetimeFigureOut">
               <a:rPr lang="en-US" smtClean="0"/>
               <a:pPr/>
-              <a:t>9/17/2019</a:t>
+              <a:t>2/28/2024</a:t>
             </a:fld>
             <a:endParaRPr lang="en-US"/>
           </a:p>
@@ -3454,37 +3432,33 @@
           <a:lstStyle/>
           <a:p>
             <a:r>
-              <a:rPr lang="en-US" b="1" u="sng" dirty="0" smtClean="0">
+              <a:rPr lang="en-US" b="1" u="sng" dirty="0">
                 <a:latin typeface="Times New Roman" pitchFamily="18" charset="0"/>
                 <a:cs typeface="Times New Roman" pitchFamily="18" charset="0"/>
               </a:rPr>
               <a:t>David  </a:t>
             </a:r>
             <a:r>
-              <a:rPr lang="en-US" b="1" u="sng" smtClean="0">
+              <a:rPr lang="en-US" b="1" u="sng">
                 <a:latin typeface="Times New Roman" pitchFamily="18" charset="0"/>
                 <a:cs typeface="Times New Roman" pitchFamily="18" charset="0"/>
               </a:rPr>
               <a:t>Galilei  </a:t>
             </a:r>
             <a:r>
-              <a:rPr lang="en-US" b="1" u="sng" dirty="0" err="1" smtClean="0">
+              <a:rPr lang="en-US" b="1" u="sng" dirty="0" err="1">
                 <a:latin typeface="Times New Roman" pitchFamily="18" charset="0"/>
                 <a:cs typeface="Times New Roman" pitchFamily="18" charset="0"/>
               </a:rPr>
               <a:t>Natale’s</a:t>
             </a:r>
             <a:r>
-              <a:rPr lang="en-US" b="1" u="sng" dirty="0" smtClean="0">
+              <a:rPr lang="en-US" b="1" u="sng" dirty="0">
                 <a:latin typeface="Times New Roman" pitchFamily="18" charset="0"/>
                 <a:cs typeface="Times New Roman" pitchFamily="18" charset="0"/>
               </a:rPr>
               <a:t>  Number  Crunching  Records</a:t>
             </a:r>
-            <a:endParaRPr lang="en-US" b="1" u="sng" dirty="0">
-              <a:latin typeface="Times New Roman" pitchFamily="18" charset="0"/>
-              <a:cs typeface="Times New Roman" pitchFamily="18" charset="0"/>
-            </a:endParaRPr>
           </a:p>
         </p:txBody>
       </p:sp>
@@ -3510,86 +3484,67 @@
           <a:lstStyle/>
           <a:p>
             <a:r>
-              <a:rPr lang="en-US" sz="2000" dirty="0" smtClean="0"/>
+              <a:rPr lang="en-US" sz="2000" dirty="0"/>
               <a:t>Computed  1,100,000,000!</a:t>
             </a:r>
           </a:p>
           <a:p>
             <a:pPr marL="0" indent="0">
-              <a:buNone/>
-            </a:pPr>
-            <a:endParaRPr lang="en-US" sz="2000" dirty="0" smtClean="0"/>
-          </a:p>
-          <a:p>
-            <a:r>
-              <a:rPr lang="en-US" sz="2000" dirty="0" smtClean="0"/>
-              <a:t>Computed  the  40,000,000,000</a:t>
-            </a:r>
-            <a:r>
-              <a:rPr lang="en-US" sz="2000" baseline="30000" dirty="0" smtClean="0"/>
-              <a:t>th</a:t>
-            </a:r>
-            <a:r>
-              <a:rPr lang="en-US" sz="2000" dirty="0" smtClean="0"/>
-              <a:t>  Fibonacci  </a:t>
-            </a:r>
-            <a:r>
-              <a:rPr lang="en-US" sz="2000" dirty="0"/>
-              <a:t>n</a:t>
-            </a:r>
-            <a:r>
-              <a:rPr lang="en-US" sz="2000" dirty="0" smtClean="0"/>
-              <a:t>umber.</a:t>
-            </a:r>
-          </a:p>
-          <a:p>
-            <a:endParaRPr lang="en-US" sz="2000" dirty="0"/>
-          </a:p>
-          <a:p>
-            <a:r>
-              <a:rPr lang="en-US" sz="2000" dirty="0" smtClean="0"/>
-              <a:t>Computed a &gt; 99% accurate approximation of the </a:t>
-            </a:r>
-            <a:r>
-              <a:rPr lang="en-US" sz="2000" dirty="0"/>
-              <a:t>5</a:t>
-            </a:r>
-            <a:r>
-              <a:rPr lang="en-US" sz="2000" dirty="0" smtClean="0"/>
-              <a:t>0 quadrillionth Fibonacci number.</a:t>
-            </a:r>
-          </a:p>
-          <a:p>
-            <a:pPr>
               <a:buNone/>
             </a:pPr>
             <a:endParaRPr lang="en-US" sz="2000" dirty="0"/>
           </a:p>
           <a:p>
             <a:r>
-              <a:rPr lang="en-US" sz="2000" dirty="0" smtClean="0"/>
+              <a:rPr lang="en-US" sz="2000" dirty="0"/>
+              <a:t>Computed  the  40,000,000,000</a:t>
+            </a:r>
+            <a:r>
+              <a:rPr lang="en-US" sz="2000" baseline="30000" dirty="0"/>
+              <a:t>th</a:t>
+            </a:r>
+            <a:r>
+              <a:rPr lang="en-US" sz="2000" dirty="0"/>
+              <a:t>  Fibonacci  number.</a:t>
+            </a:r>
+          </a:p>
+          <a:p>
+            <a:endParaRPr lang="en-US" sz="2000" dirty="0"/>
+          </a:p>
+          <a:p>
+            <a:r>
+              <a:rPr lang="en-US" sz="2000" dirty="0"/>
+              <a:t>Computed a &gt; 99% accurate approximation of the 50 quadrillionth Fibonacci number.</a:t>
+            </a:r>
+          </a:p>
+          <a:p>
+            <a:pPr>
+              <a:buNone/>
+            </a:pPr>
+            <a:endParaRPr lang="en-US" sz="2000" dirty="0"/>
+          </a:p>
+          <a:p>
+            <a:r>
+              <a:rPr lang="en-US" sz="2000"/>
               <a:t>Computed  2</a:t>
             </a:r>
             <a:r>
-              <a:rPr lang="en-US" sz="2000" baseline="30000" dirty="0" smtClean="0"/>
-              <a:t>32,212,254,704</a:t>
-            </a:r>
-            <a:r>
-              <a:rPr lang="en-US" sz="2000" dirty="0" smtClean="0"/>
+              <a:rPr lang="en-US" sz="2000" baseline="30000"/>
+              <a:t>40,000,000,000</a:t>
+            </a:r>
+            <a:r>
+              <a:rPr lang="en-US" sz="2000"/>
               <a:t>.</a:t>
             </a:r>
-          </a:p>
-          <a:p>
             <a:endParaRPr lang="en-US" sz="2000" dirty="0"/>
           </a:p>
           <a:p>
+            <a:endParaRPr lang="en-US" sz="2000" dirty="0"/>
+          </a:p>
+          <a:p>
             <a:r>
               <a:rPr lang="en-US" sz="2000" dirty="0"/>
-              <a:t>Computed </a:t>
-            </a:r>
-            <a:r>
-              <a:rPr lang="en-US" sz="2000" dirty="0" smtClean="0"/>
-              <a:t> pi  to  1,300,000,000,000  decimal  places.</a:t>
+              <a:t>Computed  pi  to  1,300,000,000,000  decimal  places.</a:t>
             </a:r>
           </a:p>
           <a:p>
@@ -3598,18 +3553,14 @@
           <a:p>
             <a:r>
               <a:rPr lang="en-US" sz="2000" dirty="0"/>
-              <a:t>Computed </a:t>
-            </a:r>
-            <a:r>
-              <a:rPr lang="en-US" sz="2000" dirty="0" smtClean="0"/>
-              <a:t> </a:t>
-            </a:r>
-            <a:r>
-              <a:rPr lang="en-US" sz="2000" i="1" dirty="0" smtClean="0"/>
+              <a:t>Computed  </a:t>
+            </a:r>
+            <a:r>
+              <a:rPr lang="en-US" sz="2000" i="1" dirty="0"/>
               <a:t>e</a:t>
             </a:r>
             <a:r>
-              <a:rPr lang="en-US" sz="2000" dirty="0" smtClean="0"/>
+              <a:rPr lang="en-US" sz="2000" dirty="0"/>
               <a:t>  to  1,600,000,000,000  decimal  places.</a:t>
             </a:r>
           </a:p>
@@ -3618,35 +3569,26 @@
           </a:p>
           <a:p>
             <a:r>
-              <a:rPr lang="en-US" sz="2000" dirty="0" smtClean="0"/>
-              <a:t>Computed  the  square  roots  of  2 &amp; 3 &amp; 5  to  1,700,000,000,000  </a:t>
-            </a:r>
-            <a:r>
               <a:rPr lang="en-US" sz="2000" dirty="0"/>
-              <a:t>decimal </a:t>
-            </a:r>
-            <a:r>
-              <a:rPr lang="en-US" sz="2000" dirty="0" smtClean="0"/>
-              <a:t> places.</a:t>
-            </a:r>
-          </a:p>
-          <a:p>
-            <a:endParaRPr lang="en-US" sz="2000" dirty="0" smtClean="0"/>
-          </a:p>
-          <a:p>
-            <a:r>
-              <a:rPr lang="en-US" sz="2000" dirty="0" smtClean="0"/>
+              <a:t>Computed  the  square  roots  of  2 &amp; 3 &amp; 5  to  1,700,000,000,000  decimal  places.</a:t>
+            </a:r>
+          </a:p>
+          <a:p>
+            <a:endParaRPr lang="en-US" sz="2000" dirty="0"/>
+          </a:p>
+          <a:p>
+            <a:r>
+              <a:rPr lang="en-US" sz="2000" dirty="0"/>
               <a:t>Discovered  the  first  35  </a:t>
             </a:r>
             <a:r>
-              <a:rPr lang="en-US" sz="2000" dirty="0" err="1" smtClean="0"/>
+              <a:rPr lang="en-US" sz="2000" dirty="0" err="1"/>
               <a:t>Mersenne</a:t>
             </a:r>
             <a:r>
-              <a:rPr lang="en-US" sz="2000" dirty="0" smtClean="0"/>
+              <a:rPr lang="en-US" sz="2000" dirty="0"/>
               <a:t>  primes.</a:t>
             </a:r>
-            <a:endParaRPr lang="en-US" sz="2000" dirty="0"/>
           </a:p>
           <a:p>
             <a:pPr marL="0" indent="0">

--- a/MyPersonalRecords.pptx
+++ b/MyPersonalRecords.pptx
@@ -126,6 +126,35 @@
 </p:presentation>
 </file>
 
+<file path=ppt/changesInfos/changesInfo1.xml><?xml version="1.0" encoding="utf-8"?>
+<pc:chgInfo xmlns:a="http://schemas.openxmlformats.org/drawingml/2006/main" xmlns:r="http://schemas.openxmlformats.org/officeDocument/2006/relationships" xmlns:ac="http://schemas.microsoft.com/office/drawing/2013/main/command" xmlns:pc="http://schemas.microsoft.com/office/powerpoint/2013/main/command">
+  <pc:docChgLst>
+    <pc:chgData name="Lisa DiPaolo" userId="cc61cdaec61827c3" providerId="LiveId" clId="{4DB7F722-A371-4F7D-98EA-BB4C263306FE}"/>
+    <pc:docChg chg="modSld">
+      <pc:chgData name="Lisa DiPaolo" userId="cc61cdaec61827c3" providerId="LiveId" clId="{4DB7F722-A371-4F7D-98EA-BB4C263306FE}" dt="2024-06-01T23:36:19.982" v="1" actId="20577"/>
+      <pc:docMkLst>
+        <pc:docMk/>
+      </pc:docMkLst>
+      <pc:sldChg chg="modSp mod">
+        <pc:chgData name="Lisa DiPaolo" userId="cc61cdaec61827c3" providerId="LiveId" clId="{4DB7F722-A371-4F7D-98EA-BB4C263306FE}" dt="2024-06-01T23:36:19.982" v="1" actId="20577"/>
+        <pc:sldMkLst>
+          <pc:docMk/>
+          <pc:sldMk cId="0" sldId="257"/>
+        </pc:sldMkLst>
+        <pc:spChg chg="mod">
+          <ac:chgData name="Lisa DiPaolo" userId="cc61cdaec61827c3" providerId="LiveId" clId="{4DB7F722-A371-4F7D-98EA-BB4C263306FE}" dt="2024-06-01T23:36:19.982" v="1" actId="20577"/>
+          <ac:spMkLst>
+            <pc:docMk/>
+            <pc:sldMk cId="0" sldId="257"/>
+            <ac:spMk id="3" creationId="{00000000-0000-0000-0000-000000000000}"/>
+          </ac:spMkLst>
+        </pc:spChg>
+      </pc:sldChg>
+    </pc:docChg>
+  </pc:docChgLst>
+</pc:chgInfo>
+</file>
+
 <file path=ppt/notesMasters/notesMaster1.xml><?xml version="1.0" encoding="utf-8"?>
 <p:notesMaster xmlns:a="http://schemas.openxmlformats.org/drawingml/2006/main" xmlns:r="http://schemas.openxmlformats.org/officeDocument/2006/relationships" xmlns:p="http://schemas.openxmlformats.org/presentationml/2006/main">
   <p:cSld>
@@ -209,7 +238,7 @@
             <a:fld id="{6CC6328C-19E3-42CA-9D07-C71BB9FEFDFB}" type="datetimeFigureOut">
               <a:rPr lang="en-US" smtClean="0"/>
               <a:pPr/>
-              <a:t>2/28/2024</a:t>
+              <a:t>6/1/2024</a:t>
             </a:fld>
             <a:endParaRPr lang="en-US"/>
           </a:p>
@@ -659,7 +688,7 @@
             <a:fld id="{092D9A1E-4C39-45B1-BBDA-3E3D8977C494}" type="datetimeFigureOut">
               <a:rPr lang="en-US" smtClean="0"/>
               <a:pPr/>
-              <a:t>2/28/2024</a:t>
+              <a:t>6/1/2024</a:t>
             </a:fld>
             <a:endParaRPr lang="en-US"/>
           </a:p>
@@ -824,7 +853,7 @@
             <a:fld id="{092D9A1E-4C39-45B1-BBDA-3E3D8977C494}" type="datetimeFigureOut">
               <a:rPr lang="en-US" smtClean="0"/>
               <a:pPr/>
-              <a:t>2/28/2024</a:t>
+              <a:t>6/1/2024</a:t>
             </a:fld>
             <a:endParaRPr lang="en-US"/>
           </a:p>
@@ -999,7 +1028,7 @@
             <a:fld id="{092D9A1E-4C39-45B1-BBDA-3E3D8977C494}" type="datetimeFigureOut">
               <a:rPr lang="en-US" smtClean="0"/>
               <a:pPr/>
-              <a:t>2/28/2024</a:t>
+              <a:t>6/1/2024</a:t>
             </a:fld>
             <a:endParaRPr lang="en-US"/>
           </a:p>
@@ -1164,7 +1193,7 @@
             <a:fld id="{092D9A1E-4C39-45B1-BBDA-3E3D8977C494}" type="datetimeFigureOut">
               <a:rPr lang="en-US" smtClean="0"/>
               <a:pPr/>
-              <a:t>2/28/2024</a:t>
+              <a:t>6/1/2024</a:t>
             </a:fld>
             <a:endParaRPr lang="en-US"/>
           </a:p>
@@ -1406,7 +1435,7 @@
             <a:fld id="{092D9A1E-4C39-45B1-BBDA-3E3D8977C494}" type="datetimeFigureOut">
               <a:rPr lang="en-US" smtClean="0"/>
               <a:pPr/>
-              <a:t>2/28/2024</a:t>
+              <a:t>6/1/2024</a:t>
             </a:fld>
             <a:endParaRPr lang="en-US"/>
           </a:p>
@@ -1688,7 +1717,7 @@
             <a:fld id="{092D9A1E-4C39-45B1-BBDA-3E3D8977C494}" type="datetimeFigureOut">
               <a:rPr lang="en-US" smtClean="0"/>
               <a:pPr/>
-              <a:t>2/28/2024</a:t>
+              <a:t>6/1/2024</a:t>
             </a:fld>
             <a:endParaRPr lang="en-US"/>
           </a:p>
@@ -2104,7 +2133,7 @@
             <a:fld id="{092D9A1E-4C39-45B1-BBDA-3E3D8977C494}" type="datetimeFigureOut">
               <a:rPr lang="en-US" smtClean="0"/>
               <a:pPr/>
-              <a:t>2/28/2024</a:t>
+              <a:t>6/1/2024</a:t>
             </a:fld>
             <a:endParaRPr lang="en-US"/>
           </a:p>
@@ -2218,7 +2247,7 @@
             <a:fld id="{092D9A1E-4C39-45B1-BBDA-3E3D8977C494}" type="datetimeFigureOut">
               <a:rPr lang="en-US" smtClean="0"/>
               <a:pPr/>
-              <a:t>2/28/2024</a:t>
+              <a:t>6/1/2024</a:t>
             </a:fld>
             <a:endParaRPr lang="en-US"/>
           </a:p>
@@ -2310,7 +2339,7 @@
             <a:fld id="{092D9A1E-4C39-45B1-BBDA-3E3D8977C494}" type="datetimeFigureOut">
               <a:rPr lang="en-US" smtClean="0"/>
               <a:pPr/>
-              <a:t>2/28/2024</a:t>
+              <a:t>6/1/2024</a:t>
             </a:fld>
             <a:endParaRPr lang="en-US"/>
           </a:p>
@@ -2582,7 +2611,7 @@
             <a:fld id="{092D9A1E-4C39-45B1-BBDA-3E3D8977C494}" type="datetimeFigureOut">
               <a:rPr lang="en-US" smtClean="0"/>
               <a:pPr/>
-              <a:t>2/28/2024</a:t>
+              <a:t>6/1/2024</a:t>
             </a:fld>
             <a:endParaRPr lang="en-US"/>
           </a:p>
@@ -2831,7 +2860,7 @@
             <a:fld id="{092D9A1E-4C39-45B1-BBDA-3E3D8977C494}" type="datetimeFigureOut">
               <a:rPr lang="en-US" smtClean="0"/>
               <a:pPr/>
-              <a:t>2/28/2024</a:t>
+              <a:t>6/1/2024</a:t>
             </a:fld>
             <a:endParaRPr lang="en-US"/>
           </a:p>
@@ -3039,7 +3068,7 @@
             <a:fld id="{092D9A1E-4C39-45B1-BBDA-3E3D8977C494}" type="datetimeFigureOut">
               <a:rPr lang="en-US" smtClean="0"/>
               <a:pPr/>
-              <a:t>2/28/2024</a:t>
+              <a:t>6/1/2024</a:t>
             </a:fld>
             <a:endParaRPr lang="en-US"/>
           </a:p>
@@ -3530,7 +3559,7 @@
             </a:r>
             <a:r>
               <a:rPr lang="en-US" sz="2000" baseline="30000"/>
-              <a:t>40,000,000,000</a:t>
+              <a:t>50,000,000,000</a:t>
             </a:r>
             <a:r>
               <a:rPr lang="en-US" sz="2000"/>
